--- a/figures/LEO+POET-backup.pptx
+++ b/figures/LEO+POET-backup.pptx
@@ -855,6 +855,7 @@
               </a:p>
             </c:rich>
           </c:tx>
+          <c:layout/>
           <c:overlay val="0"/>
           <c:spPr>
             <a:noFill/>
@@ -973,6 +974,7 @@
               </a:p>
             </c:rich>
           </c:tx>
+          <c:layout/>
           <c:overlay val="0"/>
           <c:spPr>
             <a:noFill/>
@@ -1054,6 +1056,7 @@
     </c:plotArea>
     <c:legend>
       <c:legendPos val="t"/>
+      <c:layout/>
       <c:overlay val="0"/>
       <c:spPr>
         <a:noFill/>
